--- a/Presentation3.pptx
+++ b/Presentation3.pptx
@@ -5,7 +5,7 @@
     <p:sldMasterId id="2147483648" r:id="rId1"/>
   </p:sldMasterIdLst>
   <p:notesMasterIdLst>
-    <p:notesMasterId r:id="rId18"/>
+    <p:notesMasterId r:id="rId19"/>
   </p:notesMasterIdLst>
   <p:sldIdLst>
     <p:sldId id="256" r:id="rId2"/>
@@ -22,8 +22,9 @@
     <p:sldId id="297" r:id="rId13"/>
     <p:sldId id="298" r:id="rId14"/>
     <p:sldId id="299" r:id="rId15"/>
-    <p:sldId id="284" r:id="rId16"/>
-    <p:sldId id="285" r:id="rId17"/>
+    <p:sldId id="300" r:id="rId16"/>
+    <p:sldId id="284" r:id="rId17"/>
+    <p:sldId id="285" r:id="rId18"/>
   </p:sldIdLst>
   <p:sldSz cx="12192000" cy="6858000"/>
   <p:notesSz cx="6858000" cy="9144000"/>
@@ -1598,7 +1599,7 @@
   <pc:docChgLst>
     <pc:chgData name="James Joy" userId="0150eba3c8b48144" providerId="LiveId" clId="{D9DE8F52-0D68-44DA-80E6-A90CA072DA34}"/>
     <pc:docChg chg="undo custSel mod addSld delSld modSld sldOrd">
-      <pc:chgData name="James Joy" userId="0150eba3c8b48144" providerId="LiveId" clId="{D9DE8F52-0D68-44DA-80E6-A90CA072DA34}" dt="2019-03-20T12:15:41.257" v="944" actId="20577"/>
+      <pc:chgData name="James Joy" userId="0150eba3c8b48144" providerId="LiveId" clId="{D9DE8F52-0D68-44DA-80E6-A90CA072DA34}" dt="2019-03-20T23:07:30.817" v="981" actId="14100"/>
       <pc:docMkLst>
         <pc:docMk/>
       </pc:docMkLst>
@@ -2694,6 +2695,45 @@
           </ac:picMkLst>
         </pc:picChg>
       </pc:sldChg>
+      <pc:sldChg chg="addSp delSp modSp add">
+        <pc:chgData name="James Joy" userId="0150eba3c8b48144" providerId="LiveId" clId="{D9DE8F52-0D68-44DA-80E6-A90CA072DA34}" dt="2019-03-20T23:07:30.817" v="981" actId="14100"/>
+        <pc:sldMkLst>
+          <pc:docMk/>
+          <pc:sldMk cId="1984527502" sldId="300"/>
+        </pc:sldMkLst>
+        <pc:spChg chg="mod">
+          <ac:chgData name="James Joy" userId="0150eba3c8b48144" providerId="LiveId" clId="{D9DE8F52-0D68-44DA-80E6-A90CA072DA34}" dt="2019-03-20T23:07:02.090" v="973" actId="20577"/>
+          <ac:spMkLst>
+            <pc:docMk/>
+            <pc:sldMk cId="1984527502" sldId="300"/>
+            <ac:spMk id="4" creationId="{C7A1464B-A464-4924-9785-4ECFAF627424}"/>
+          </ac:spMkLst>
+        </pc:spChg>
+        <pc:picChg chg="del">
+          <ac:chgData name="James Joy" userId="0150eba3c8b48144" providerId="LiveId" clId="{D9DE8F52-0D68-44DA-80E6-A90CA072DA34}" dt="2019-03-20T23:06:15.902" v="946" actId="478"/>
+          <ac:picMkLst>
+            <pc:docMk/>
+            <pc:sldMk cId="1984527502" sldId="300"/>
+            <ac:picMk id="2" creationId="{46CD716D-B648-418E-9906-54D3D62EFC5C}"/>
+          </ac:picMkLst>
+        </pc:picChg>
+        <pc:picChg chg="add del">
+          <ac:chgData name="James Joy" userId="0150eba3c8b48144" providerId="LiveId" clId="{D9DE8F52-0D68-44DA-80E6-A90CA072DA34}" dt="2019-03-20T23:06:50.121" v="948"/>
+          <ac:picMkLst>
+            <pc:docMk/>
+            <pc:sldMk cId="1984527502" sldId="300"/>
+            <ac:picMk id="3" creationId="{BBD8895E-5A43-4C35-BBEA-B20440E1CF24}"/>
+          </ac:picMkLst>
+        </pc:picChg>
+        <pc:picChg chg="add mod">
+          <ac:chgData name="James Joy" userId="0150eba3c8b48144" providerId="LiveId" clId="{D9DE8F52-0D68-44DA-80E6-A90CA072DA34}" dt="2019-03-20T23:07:30.817" v="981" actId="14100"/>
+          <ac:picMkLst>
+            <pc:docMk/>
+            <pc:sldMk cId="1984527502" sldId="300"/>
+            <ac:picMk id="5" creationId="{4F01C5CD-B63C-4A37-853E-D6C20333C377}"/>
+          </ac:picMkLst>
+        </pc:picChg>
+      </pc:sldChg>
     </pc:docChg>
   </pc:docChgLst>
 </pc:chgInfo>
@@ -3534,7 +3574,91 @@
           <a:p>
             <a:fld id="{FE8F6C7D-4297-4DC6-87B9-649EB942FE16}" type="slidenum">
               <a:rPr lang="en-NZ" smtClean="0"/>
-              <a:t>16</a:t>
+              <a:t>15</a:t>
+            </a:fld>
+            <a:endParaRPr lang="en-NZ"/>
+          </a:p>
+        </p:txBody>
+      </p:sp>
+    </p:spTree>
+    <p:extLst>
+      <p:ext uri="{BB962C8B-B14F-4D97-AF65-F5344CB8AC3E}">
+        <p14:creationId xmlns:p14="http://schemas.microsoft.com/office/powerpoint/2010/main" val="1327835995"/>
+      </p:ext>
+    </p:extLst>
+  </p:cSld>
+  <p:clrMapOvr>
+    <a:masterClrMapping/>
+  </p:clrMapOvr>
+</p:notes>
+</file>
+
+<file path=ppt/notesSlides/notesSlide15.xml><?xml version="1.0" encoding="utf-8"?>
+<p:notes xmlns:a="http://schemas.openxmlformats.org/drawingml/2006/main" xmlns:r="http://schemas.openxmlformats.org/officeDocument/2006/relationships" xmlns:p="http://schemas.openxmlformats.org/presentationml/2006/main">
+  <p:cSld>
+    <p:spTree>
+      <p:nvGrpSpPr>
+        <p:cNvPr id="1" name=""/>
+        <p:cNvGrpSpPr/>
+        <p:nvPr/>
+      </p:nvGrpSpPr>
+      <p:grpSpPr>
+        <a:xfrm>
+          <a:off x="0" y="0"/>
+          <a:ext cx="0" cy="0"/>
+          <a:chOff x="0" y="0"/>
+          <a:chExt cx="0" cy="0"/>
+        </a:xfrm>
+      </p:grpSpPr>
+      <p:sp>
+        <p:nvSpPr>
+          <p:cNvPr id="2" name="Slide Image Placeholder 1"/>
+          <p:cNvSpPr>
+            <a:spLocks noGrp="1" noRot="1" noChangeAspect="1"/>
+          </p:cNvSpPr>
+          <p:nvPr>
+            <p:ph type="sldImg"/>
+          </p:nvPr>
+        </p:nvSpPr>
+        <p:spPr/>
+      </p:sp>
+      <p:sp>
+        <p:nvSpPr>
+          <p:cNvPr id="3" name="Notes Placeholder 2"/>
+          <p:cNvSpPr>
+            <a:spLocks noGrp="1"/>
+          </p:cNvSpPr>
+          <p:nvPr>
+            <p:ph type="body" idx="1"/>
+          </p:nvPr>
+        </p:nvSpPr>
+        <p:spPr/>
+        <p:txBody>
+          <a:bodyPr/>
+          <a:lstStyle/>
+          <a:p>
+            <a:endParaRPr lang="en-NZ" dirty="0"/>
+          </a:p>
+        </p:txBody>
+      </p:sp>
+      <p:sp>
+        <p:nvSpPr>
+          <p:cNvPr id="4" name="Slide Number Placeholder 3"/>
+          <p:cNvSpPr>
+            <a:spLocks noGrp="1"/>
+          </p:cNvSpPr>
+          <p:nvPr>
+            <p:ph type="sldNum" sz="quarter" idx="5"/>
+          </p:nvPr>
+        </p:nvSpPr>
+        <p:spPr/>
+        <p:txBody>
+          <a:bodyPr/>
+          <a:lstStyle/>
+          <a:p>
+            <a:fld id="{FE8F6C7D-4297-4DC6-87B9-649EB942FE16}" type="slidenum">
+              <a:rPr lang="en-NZ" smtClean="0"/>
+              <a:t>17</a:t>
             </a:fld>
             <a:endParaRPr lang="en-NZ"/>
           </a:p>
@@ -9174,6 +9298,241 @@
           <a:bodyPr rtlCol="0" anchor="ctr"/>
           <a:lstStyle/>
           <a:p>
+            <a:pPr algn="ctr"/>
+            <a:endParaRPr lang="en-US"/>
+          </a:p>
+        </p:txBody>
+      </p:sp>
+      <p:sp>
+        <p:nvSpPr>
+          <p:cNvPr id="4" name="TextBox 3">
+            <a:extLst>
+              <a:ext uri="{FF2B5EF4-FFF2-40B4-BE49-F238E27FC236}">
+                <a16:creationId xmlns:a16="http://schemas.microsoft.com/office/drawing/2014/main" id="{C7A1464B-A464-4924-9785-4ECFAF627424}"/>
+              </a:ext>
+            </a:extLst>
+          </p:cNvPr>
+          <p:cNvSpPr txBox="1"/>
+          <p:nvPr/>
+        </p:nvSpPr>
+        <p:spPr>
+          <a:xfrm>
+            <a:off x="4678531" y="55364"/>
+            <a:ext cx="2762295" cy="369332"/>
+          </a:xfrm>
+          <a:prstGeom prst="rect">
+            <a:avLst/>
+          </a:prstGeom>
+          <a:noFill/>
+        </p:spPr>
+        <p:txBody>
+          <a:bodyPr wrap="none" rtlCol="0">
+            <a:spAutoFit/>
+          </a:bodyPr>
+          <a:lstStyle/>
+          <a:p>
+            <a:r>
+              <a:rPr lang="en-NZ" dirty="0">
+                <a:solidFill>
+                  <a:schemeClr val="bg1"/>
+                </a:solidFill>
+                <a:latin typeface="Times New Roman" panose="02020603050405020304" pitchFamily="18" charset="0"/>
+                <a:cs typeface="Times New Roman" panose="02020603050405020304" pitchFamily="18" charset="0"/>
+              </a:rPr>
+              <a:t>Customer Preference Graph</a:t>
+            </a:r>
+          </a:p>
+        </p:txBody>
+      </p:sp>
+      <p:pic>
+        <p:nvPicPr>
+          <p:cNvPr id="5" name="Picture 4">
+            <a:extLst>
+              <a:ext uri="{FF2B5EF4-FFF2-40B4-BE49-F238E27FC236}">
+                <a16:creationId xmlns:a16="http://schemas.microsoft.com/office/drawing/2014/main" id="{4F01C5CD-B63C-4A37-853E-D6C20333C377}"/>
+              </a:ext>
+            </a:extLst>
+          </p:cNvPr>
+          <p:cNvPicPr>
+            <a:picLocks noChangeAspect="1"/>
+          </p:cNvPicPr>
+          <p:nvPr/>
+        </p:nvPicPr>
+        <p:blipFill>
+          <a:blip r:embed="rId3"/>
+          <a:stretch>
+            <a:fillRect/>
+          </a:stretch>
+        </p:blipFill>
+        <p:spPr>
+          <a:xfrm>
+            <a:off x="477011" y="424696"/>
+            <a:ext cx="11237976" cy="5953244"/>
+          </a:xfrm>
+          <a:prstGeom prst="rect">
+            <a:avLst/>
+          </a:prstGeom>
+        </p:spPr>
+      </p:pic>
+    </p:spTree>
+    <p:extLst>
+      <p:ext uri="{BB962C8B-B14F-4D97-AF65-F5344CB8AC3E}">
+        <p14:creationId xmlns:p14="http://schemas.microsoft.com/office/powerpoint/2010/main" val="1984527502"/>
+      </p:ext>
+    </p:extLst>
+  </p:cSld>
+  <p:clrMapOvr>
+    <a:masterClrMapping/>
+  </p:clrMapOvr>
+</p:sld>
+</file>
+
+<file path=ppt/slides/slide16.xml><?xml version="1.0" encoding="utf-8"?>
+<p:sld xmlns:a="http://schemas.openxmlformats.org/drawingml/2006/main" xmlns:r="http://schemas.openxmlformats.org/officeDocument/2006/relationships" xmlns:p="http://schemas.openxmlformats.org/presentationml/2006/main">
+  <p:cSld>
+    <p:bg>
+      <p:bgPr>
+        <a:solidFill>
+          <a:schemeClr val="bg1"/>
+        </a:solidFill>
+        <a:effectLst/>
+      </p:bgPr>
+    </p:bg>
+    <p:spTree>
+      <p:nvGrpSpPr>
+        <p:cNvPr id="1" name=""/>
+        <p:cNvGrpSpPr/>
+        <p:nvPr/>
+      </p:nvGrpSpPr>
+      <p:grpSpPr>
+        <a:xfrm>
+          <a:off x="0" y="0"/>
+          <a:ext cx="0" cy="0"/>
+          <a:chOff x="0" y="0"/>
+          <a:chExt cx="0" cy="0"/>
+        </a:xfrm>
+      </p:grpSpPr>
+      <p:sp>
+        <p:nvSpPr>
+          <p:cNvPr id="10" name="Rectangle 9">
+            <a:extLst>
+              <a:ext uri="{FF2B5EF4-FFF2-40B4-BE49-F238E27FC236}">
+                <a16:creationId xmlns:a16="http://schemas.microsoft.com/office/drawing/2014/main" id="{32BC26D8-82FB-445E-AA49-62A77D7C1EE0}"/>
+              </a:ext>
+              <a:ext uri="{C183D7F6-B498-43B3-948B-1728B52AA6E4}">
+                <adec:decorative xmlns:adec="http://schemas.microsoft.com/office/drawing/2017/decorative" val="1"/>
+              </a:ext>
+            </a:extLst>
+          </p:cNvPr>
+          <p:cNvSpPr>
+            <a:spLocks noGrp="1" noRot="1" noChangeAspect="1" noMove="1" noResize="1" noEditPoints="1" noAdjustHandles="1" noChangeArrowheads="1" noChangeShapeType="1" noTextEdit="1"/>
+          </p:cNvSpPr>
+          <p:nvPr>
+            <p:extLst>
+              <p:ext uri="{386F3935-93C4-4BCD-93E2-E3B085C9AB24}">
+                <p16:designElem xmlns:p16="http://schemas.microsoft.com/office/powerpoint/2015/main" val="1"/>
+              </p:ext>
+            </p:extLst>
+          </p:nvPr>
+        </p:nvSpPr>
+        <p:spPr>
+          <a:xfrm>
+            <a:off x="0" y="0"/>
+            <a:ext cx="12192000" cy="6858000"/>
+          </a:xfrm>
+          <a:prstGeom prst="rect">
+            <a:avLst/>
+          </a:prstGeom>
+          <a:solidFill>
+            <a:srgbClr val="48655C"/>
+          </a:solidFill>
+          <a:ln>
+            <a:noFill/>
+          </a:ln>
+        </p:spPr>
+        <p:style>
+          <a:lnRef idx="2">
+            <a:schemeClr val="accent1">
+              <a:shade val="50000"/>
+            </a:schemeClr>
+          </a:lnRef>
+          <a:fillRef idx="1">
+            <a:schemeClr val="accent1"/>
+          </a:fillRef>
+          <a:effectRef idx="0">
+            <a:schemeClr val="accent1"/>
+          </a:effectRef>
+          <a:fontRef idx="minor">
+            <a:schemeClr val="lt1"/>
+          </a:fontRef>
+        </p:style>
+        <p:txBody>
+          <a:bodyPr rtlCol="0" anchor="ctr"/>
+          <a:lstStyle/>
+          <a:p>
+            <a:pPr algn="ctr"/>
+            <a:endParaRPr lang="en-US"/>
+          </a:p>
+        </p:txBody>
+      </p:sp>
+      <p:sp>
+        <p:nvSpPr>
+          <p:cNvPr id="12" name="Rectangle 11">
+            <a:extLst>
+              <a:ext uri="{FF2B5EF4-FFF2-40B4-BE49-F238E27FC236}">
+                <a16:creationId xmlns:a16="http://schemas.microsoft.com/office/drawing/2014/main" id="{CB44330D-EA18-4254-AA95-EB49948539B8}"/>
+              </a:ext>
+              <a:ext uri="{C183D7F6-B498-43B3-948B-1728B52AA6E4}">
+                <adec:decorative xmlns:adec="http://schemas.microsoft.com/office/drawing/2017/decorative" val="1"/>
+              </a:ext>
+            </a:extLst>
+          </p:cNvPr>
+          <p:cNvSpPr>
+            <a:spLocks noGrp="1" noRot="1" noChangeAspect="1" noMove="1" noResize="1" noEditPoints="1" noAdjustHandles="1" noChangeArrowheads="1" noChangeShapeType="1" noTextEdit="1"/>
+          </p:cNvSpPr>
+          <p:nvPr>
+            <p:extLst>
+              <p:ext uri="{386F3935-93C4-4BCD-93E2-E3B085C9AB24}">
+                <p16:designElem xmlns:p16="http://schemas.microsoft.com/office/powerpoint/2015/main" val="1"/>
+              </p:ext>
+            </p:extLst>
+          </p:nvPr>
+        </p:nvSpPr>
+        <p:spPr>
+          <a:xfrm>
+            <a:off x="477012" y="480060"/>
+            <a:ext cx="11237976" cy="5897880"/>
+          </a:xfrm>
+          <a:prstGeom prst="rect">
+            <a:avLst/>
+          </a:prstGeom>
+          <a:solidFill>
+            <a:srgbClr val="FFFFFF"/>
+          </a:solidFill>
+          <a:ln>
+            <a:noFill/>
+          </a:ln>
+        </p:spPr>
+        <p:style>
+          <a:lnRef idx="2">
+            <a:schemeClr val="accent1">
+              <a:shade val="50000"/>
+            </a:schemeClr>
+          </a:lnRef>
+          <a:fillRef idx="1">
+            <a:schemeClr val="accent1"/>
+          </a:fillRef>
+          <a:effectRef idx="0">
+            <a:schemeClr val="accent1"/>
+          </a:effectRef>
+          <a:fontRef idx="minor">
+            <a:schemeClr val="lt1"/>
+          </a:fontRef>
+        </p:style>
+        <p:txBody>
+          <a:bodyPr rtlCol="0" anchor="ctr"/>
+          <a:lstStyle/>
+          <a:p>
             <a:pPr lvl="1" algn="ctr"/>
             <a:r>
               <a:rPr lang="en-US" sz="8800" dirty="0">
@@ -9201,7 +9560,7 @@
 </p:sld>
 </file>
 
-<file path=ppt/slides/slide16.xml><?xml version="1.0" encoding="utf-8"?>
+<file path=ppt/slides/slide17.xml><?xml version="1.0" encoding="utf-8"?>
 <p:sld xmlns:a="http://schemas.openxmlformats.org/drawingml/2006/main" xmlns:r="http://schemas.openxmlformats.org/officeDocument/2006/relationships" xmlns:p="http://schemas.openxmlformats.org/presentationml/2006/main">
   <p:cSld>
     <p:bg>
